--- a/slide_baocao/Group6_RentAndRest.pptx
+++ b/slide_baocao/Group6_RentAndRest.pptx
@@ -287,7 +287,7 @@
 <file path=ppt/revisionInfo.xml><?xml version="1.0" encoding="utf-8"?>
 <p1510:revInfo xmlns:a="http://schemas.openxmlformats.org/drawingml/2006/main" xmlns:r="http://schemas.openxmlformats.org/officeDocument/2006/relationships" xmlns:p1510="http://schemas.microsoft.com/office/powerpoint/2015/10/main">
   <p1510:revLst>
-    <p1510:client id="{6C4DAA65-68DC-4B38-A26E-C079D9D99383}" v="6" dt="2022-07-17T02:51:44.324"/>
+    <p1510:client id="{4B223F40-CCD3-4A26-877D-2FC47B333E49}" v="87" dt="2022-07-21T07:20:42.333"/>
   </p1510:revLst>
 </p1510:revInfo>
 </file>
@@ -735,6 +735,45 @@
           </pc:sldLayoutMkLst>
         </pc:sldLayoutChg>
       </pc:sldMasterChg>
+    </pc:docChg>
+  </pc:docChgLst>
+  <pc:docChgLst>
+    <pc:chgData name="NGUYEN THE NHAT 20194347" userId="e9a72d3f-4bfd-42a2-bb89-c5379cd69bc1" providerId="ADAL" clId="{4B223F40-CCD3-4A26-877D-2FC47B333E49}"/>
+    <pc:docChg chg="modSld">
+      <pc:chgData name="NGUYEN THE NHAT 20194347" userId="e9a72d3f-4bfd-42a2-bb89-c5379cd69bc1" providerId="ADAL" clId="{4B223F40-CCD3-4A26-877D-2FC47B333E49}" dt="2022-07-21T07:24:00.311" v="89" actId="20577"/>
+      <pc:docMkLst>
+        <pc:docMk/>
+      </pc:docMkLst>
+      <pc:sldChg chg="modSp mod">
+        <pc:chgData name="NGUYEN THE NHAT 20194347" userId="e9a72d3f-4bfd-42a2-bb89-c5379cd69bc1" providerId="ADAL" clId="{4B223F40-CCD3-4A26-877D-2FC47B333E49}" dt="2022-07-21T07:24:00.311" v="89" actId="20577"/>
+        <pc:sldMkLst>
+          <pc:docMk/>
+          <pc:sldMk cId="0" sldId="256"/>
+        </pc:sldMkLst>
+        <pc:spChg chg="mod">
+          <ac:chgData name="NGUYEN THE NHAT 20194347" userId="e9a72d3f-4bfd-42a2-bb89-c5379cd69bc1" providerId="ADAL" clId="{4B223F40-CCD3-4A26-877D-2FC47B333E49}" dt="2022-07-21T07:24:00.311" v="89" actId="20577"/>
+          <ac:spMkLst>
+            <pc:docMk/>
+            <pc:sldMk cId="0" sldId="256"/>
+            <ac:spMk id="171" creationId="{00000000-0000-0000-0000-000000000000}"/>
+          </ac:spMkLst>
+        </pc:spChg>
+      </pc:sldChg>
+      <pc:sldChg chg="modSp">
+        <pc:chgData name="NGUYEN THE NHAT 20194347" userId="e9a72d3f-4bfd-42a2-bb89-c5379cd69bc1" providerId="ADAL" clId="{4B223F40-CCD3-4A26-877D-2FC47B333E49}" dt="2022-07-21T07:20:42.332" v="86" actId="20577"/>
+        <pc:sldMkLst>
+          <pc:docMk/>
+          <pc:sldMk cId="0" sldId="260"/>
+        </pc:sldMkLst>
+        <pc:spChg chg="mod">
+          <ac:chgData name="NGUYEN THE NHAT 20194347" userId="e9a72d3f-4bfd-42a2-bb89-c5379cd69bc1" providerId="ADAL" clId="{4B223F40-CCD3-4A26-877D-2FC47B333E49}" dt="2022-07-21T07:20:42.332" v="86" actId="20577"/>
+          <ac:spMkLst>
+            <pc:docMk/>
+            <pc:sldMk cId="0" sldId="260"/>
+            <ac:spMk id="210" creationId="{00000000-0000-0000-0000-000000000000}"/>
+          </ac:spMkLst>
+        </pc:spChg>
+      </pc:sldChg>
     </pc:docChg>
   </pc:docChgLst>
 </pc:chgInfo>
@@ -10395,8 +10434,8 @@
               <a:buNone/>
             </a:pPr>
             <a:r>
-              <a:rPr lang="en" dirty="0"/>
-              <a:t>Nhóm 6</a:t>
+              <a:rPr lang="en"/>
+              <a:t>Nhóm 30</a:t>
             </a:r>
             <a:endParaRPr dirty="0"/>
           </a:p>
@@ -14508,112 +14547,10 @@
               <a:t>thuê</a:t>
             </a:r>
             <a:r>
-              <a:rPr lang="en-US" dirty="0">
+              <a:rPr lang="en-US">
                 <a:latin typeface="Georgia" panose="02040502050405020303" pitchFamily="18" charset="0"/>
               </a:rPr>
-              <a:t>, </a:t>
-            </a:r>
-            <a:r>
-              <a:rPr lang="en-US" dirty="0" err="1">
-                <a:latin typeface="Georgia" panose="02040502050405020303" pitchFamily="18" charset="0"/>
-              </a:rPr>
-              <a:t>xem</a:t>
-            </a:r>
-            <a:r>
-              <a:rPr lang="en-US" dirty="0">
-                <a:latin typeface="Georgia" panose="02040502050405020303" pitchFamily="18" charset="0"/>
-              </a:rPr>
-              <a:t> chi </a:t>
-            </a:r>
-            <a:r>
-              <a:rPr lang="en-US" dirty="0" err="1">
-                <a:latin typeface="Georgia" panose="02040502050405020303" pitchFamily="18" charset="0"/>
-              </a:rPr>
-              <a:t>phí</a:t>
-            </a:r>
-            <a:r>
-              <a:rPr lang="en-US" dirty="0">
-                <a:latin typeface="Georgia" panose="02040502050405020303" pitchFamily="18" charset="0"/>
-              </a:rPr>
-              <a:t> </a:t>
-            </a:r>
-            <a:r>
-              <a:rPr lang="en-US" dirty="0" err="1">
-                <a:latin typeface="Georgia" panose="02040502050405020303" pitchFamily="18" charset="0"/>
-              </a:rPr>
-              <a:t>thuê</a:t>
-            </a:r>
-            <a:r>
-              <a:rPr lang="en-US" dirty="0">
-                <a:latin typeface="Georgia" panose="02040502050405020303" pitchFamily="18" charset="0"/>
-              </a:rPr>
-              <a:t> </a:t>
-            </a:r>
-            <a:r>
-              <a:rPr lang="en-US" dirty="0" err="1">
-                <a:latin typeface="Georgia" panose="02040502050405020303" pitchFamily="18" charset="0"/>
-              </a:rPr>
-              <a:t>trọ</a:t>
-            </a:r>
-            <a:r>
-              <a:rPr lang="en-US" dirty="0">
-                <a:latin typeface="Georgia" panose="02040502050405020303" pitchFamily="18" charset="0"/>
-              </a:rPr>
-              <a:t> </a:t>
-            </a:r>
-            <a:r>
-              <a:rPr lang="en-US" dirty="0" err="1">
-                <a:latin typeface="Georgia" panose="02040502050405020303" pitchFamily="18" charset="0"/>
-              </a:rPr>
-              <a:t>hàng</a:t>
-            </a:r>
-            <a:r>
-              <a:rPr lang="en-US" dirty="0">
-                <a:latin typeface="Georgia" panose="02040502050405020303" pitchFamily="18" charset="0"/>
-              </a:rPr>
-              <a:t> </a:t>
-            </a:r>
-            <a:r>
-              <a:rPr lang="en-US" dirty="0" err="1">
-                <a:latin typeface="Georgia" panose="02040502050405020303" pitchFamily="18" charset="0"/>
-              </a:rPr>
-              <a:t>tháng</a:t>
-            </a:r>
-            <a:r>
-              <a:rPr lang="en-US" dirty="0">
-                <a:latin typeface="Georgia" panose="02040502050405020303" pitchFamily="18" charset="0"/>
-              </a:rPr>
-              <a:t> (</a:t>
-            </a:r>
-            <a:r>
-              <a:rPr lang="en-US" dirty="0" err="1">
-                <a:latin typeface="Georgia" panose="02040502050405020303" pitchFamily="18" charset="0"/>
-              </a:rPr>
-              <a:t>điện</a:t>
-            </a:r>
-            <a:r>
-              <a:rPr lang="en-US" dirty="0">
-                <a:latin typeface="Georgia" panose="02040502050405020303" pitchFamily="18" charset="0"/>
-              </a:rPr>
-              <a:t> n</a:t>
-            </a:r>
-            <a:r>
-              <a:rPr lang="vi-VN" dirty="0">
-                <a:latin typeface="Georgia" panose="02040502050405020303" pitchFamily="18" charset="0"/>
-              </a:rPr>
-              <a:t>ư</a:t>
-            </a:r>
-            <a:r>
-              <a:rPr lang="en-US" dirty="0" err="1">
-                <a:latin typeface="Georgia" panose="02040502050405020303" pitchFamily="18" charset="0"/>
-              </a:rPr>
-              <a:t>ớc</a:t>
-            </a:r>
-            <a:r>
-              <a:rPr lang="en-US" dirty="0">
-                <a:latin typeface="Georgia" panose="02040502050405020303" pitchFamily="18" charset="0"/>
-              </a:rPr>
-              <a:t>…).</a:t>
+              <a:t>, quản lý thông tin cá nhân.</a:t>
             </a:r>
             <a:endParaRPr dirty="0">
               <a:latin typeface="Georgia" panose="02040502050405020303" pitchFamily="18" charset="0"/>
